--- a/Suchen_Präsi.pptx
+++ b/Suchen_Präsi.pptx
@@ -6,9 +6,12 @@
   </p:sldMasterIdLst>
   <p:sldIdLst>
     <p:sldId id="256" r:id="rId2"/>
-    <p:sldId id="257" r:id="rId3"/>
-    <p:sldId id="258" r:id="rId4"/>
-    <p:sldId id="259" r:id="rId5"/>
+    <p:sldId id="260" r:id="rId3"/>
+    <p:sldId id="257" r:id="rId4"/>
+    <p:sldId id="261" r:id="rId5"/>
+    <p:sldId id="258" r:id="rId6"/>
+    <p:sldId id="259" r:id="rId7"/>
+    <p:sldId id="262" r:id="rId8"/>
   </p:sldIdLst>
   <p:sldSz cx="12192000" cy="6858000"/>
   <p:notesSz cx="6858000" cy="9144000"/>
@@ -107,6 +110,11 @@
       </a:defRPr>
     </a:lvl9pPr>
   </p:defaultTextStyle>
+  <p:extLst>
+    <p:ext uri="{EFAFB233-063F-42B5-8137-9DF3F51BA10A}">
+      <p15:sldGuideLst xmlns:p15="http://schemas.microsoft.com/office/powerpoint/2012/main"/>
+    </p:ext>
+  </p:extLst>
 </p:presentation>
 </file>
 
@@ -456,7 +464,7 @@
             <a:fld id="{69E57DC2-970A-4B3E-BB1C-7A09969E49DF}" type="slidenum">
               <a:rPr lang="en-US" smtClean="0"/>
               <a:pPr/>
-              <a:t>‹Nr.›</a:t>
+              <a:t>‹#›</a:t>
             </a:fld>
             <a:endParaRPr lang="en-US" dirty="0"/>
           </a:p>
@@ -584,7 +592,7 @@
           <a:p>
             <a:fld id="{87DE6118-2437-4B30-8E3C-4D2BE6020583}" type="datetimeFigureOut">
               <a:rPr lang="en-US" dirty="0"/>
-              <a:t>11/30/2024</a:t>
+              <a:t>12/5/2024</a:t>
             </a:fld>
             <a:endParaRPr lang="en-US" dirty="0"/>
           </a:p>
@@ -626,7 +634,7 @@
           <a:p>
             <a:fld id="{69E57DC2-970A-4B3E-BB1C-7A09969E49DF}" type="slidenum">
               <a:rPr lang="en-US" dirty="0"/>
-              <a:t>‹Nr.›</a:t>
+              <a:t>‹#›</a:t>
             </a:fld>
             <a:endParaRPr lang="en-US" dirty="0"/>
           </a:p>
@@ -759,7 +767,7 @@
           <a:p>
             <a:fld id="{87DE6118-2437-4B30-8E3C-4D2BE6020583}" type="datetimeFigureOut">
               <a:rPr lang="en-US" dirty="0"/>
-              <a:t>11/30/2024</a:t>
+              <a:t>12/5/2024</a:t>
             </a:fld>
             <a:endParaRPr lang="en-US" dirty="0"/>
           </a:p>
@@ -801,7 +809,7 @@
           <a:p>
             <a:fld id="{69E57DC2-970A-4B3E-BB1C-7A09969E49DF}" type="slidenum">
               <a:rPr lang="en-US" dirty="0"/>
-              <a:t>‹Nr.›</a:t>
+              <a:t>‹#›</a:t>
             </a:fld>
             <a:endParaRPr lang="en-US" dirty="0"/>
           </a:p>
@@ -924,7 +932,7 @@
           <a:p>
             <a:fld id="{87DE6118-2437-4B30-8E3C-4D2BE6020583}" type="datetimeFigureOut">
               <a:rPr lang="en-US" dirty="0"/>
-              <a:t>11/30/2024</a:t>
+              <a:t>12/5/2024</a:t>
             </a:fld>
             <a:endParaRPr lang="en-US" dirty="0"/>
           </a:p>
@@ -966,7 +974,7 @@
           <a:p>
             <a:fld id="{69E57DC2-970A-4B3E-BB1C-7A09969E49DF}" type="slidenum">
               <a:rPr lang="en-US" dirty="0"/>
-              <a:t>‹Nr.›</a:t>
+              <a:t>‹#›</a:t>
             </a:fld>
             <a:endParaRPr lang="en-US" dirty="0"/>
           </a:p>
@@ -1197,7 +1205,7 @@
             <a:fld id="{87DE6118-2437-4B30-8E3C-4D2BE6020583}" type="datetimeFigureOut">
               <a:rPr lang="en-US" dirty="0"/>
               <a:pPr/>
-              <a:t>11/30/2024</a:t>
+              <a:t>12/5/2024</a:t>
             </a:fld>
             <a:endParaRPr lang="en-US" dirty="0"/>
           </a:p>
@@ -1266,7 +1274,7 @@
             <a:fld id="{69E57DC2-970A-4B3E-BB1C-7A09969E49DF}" type="slidenum">
               <a:rPr lang="en-US" dirty="0"/>
               <a:pPr/>
-              <a:t>‹Nr.›</a:t>
+              <a:t>‹#›</a:t>
             </a:fld>
             <a:endParaRPr lang="en-US" dirty="0"/>
           </a:p>
@@ -1587,7 +1595,7 @@
           <a:p>
             <a:fld id="{87DE6118-2437-4B30-8E3C-4D2BE6020583}" type="datetimeFigureOut">
               <a:rPr lang="en-US" dirty="0"/>
-              <a:t>11/30/2024</a:t>
+              <a:t>12/5/2024</a:t>
             </a:fld>
             <a:endParaRPr lang="en-US" dirty="0"/>
           </a:p>
@@ -1629,7 +1637,7 @@
           <a:p>
             <a:fld id="{69E57DC2-970A-4B3E-BB1C-7A09969E49DF}" type="slidenum">
               <a:rPr lang="en-US" dirty="0"/>
-              <a:t>‹Nr.›</a:t>
+              <a:t>‹#›</a:t>
             </a:fld>
             <a:endParaRPr lang="en-US" dirty="0"/>
           </a:p>
@@ -2059,7 +2067,7 @@
           <a:p>
             <a:fld id="{87DE6118-2437-4B30-8E3C-4D2BE6020583}" type="datetimeFigureOut">
               <a:rPr lang="en-US" dirty="0"/>
-              <a:t>11/30/2024</a:t>
+              <a:t>12/5/2024</a:t>
             </a:fld>
             <a:endParaRPr lang="en-US" dirty="0"/>
           </a:p>
@@ -2101,7 +2109,7 @@
           <a:p>
             <a:fld id="{69E57DC2-970A-4B3E-BB1C-7A09969E49DF}" type="slidenum">
               <a:rPr lang="en-US" dirty="0"/>
-              <a:t>‹Nr.›</a:t>
+              <a:t>‹#›</a:t>
             </a:fld>
             <a:endParaRPr lang="en-US" dirty="0"/>
           </a:p>
@@ -2172,7 +2180,7 @@
           <a:p>
             <a:fld id="{87DE6118-2437-4B30-8E3C-4D2BE6020583}" type="datetimeFigureOut">
               <a:rPr lang="en-US" dirty="0"/>
-              <a:t>11/30/2024</a:t>
+              <a:t>12/5/2024</a:t>
             </a:fld>
             <a:endParaRPr lang="en-US" dirty="0"/>
           </a:p>
@@ -2214,7 +2222,7 @@
           <a:p>
             <a:fld id="{69E57DC2-970A-4B3E-BB1C-7A09969E49DF}" type="slidenum">
               <a:rPr lang="en-US" dirty="0"/>
-              <a:t>‹Nr.›</a:t>
+              <a:t>‹#›</a:t>
             </a:fld>
             <a:endParaRPr lang="en-US" dirty="0"/>
           </a:p>
@@ -2262,7 +2270,7 @@
           <a:p>
             <a:fld id="{87DE6118-2437-4B30-8E3C-4D2BE6020583}" type="datetimeFigureOut">
               <a:rPr lang="en-US" dirty="0"/>
-              <a:t>11/30/2024</a:t>
+              <a:t>12/5/2024</a:t>
             </a:fld>
             <a:endParaRPr lang="en-US" dirty="0"/>
           </a:p>
@@ -2304,7 +2312,7 @@
           <a:p>
             <a:fld id="{69E57DC2-970A-4B3E-BB1C-7A09969E49DF}" type="slidenum">
               <a:rPr lang="en-US" dirty="0"/>
-              <a:t>‹Nr.›</a:t>
+              <a:t>‹#›</a:t>
             </a:fld>
             <a:endParaRPr lang="en-US" dirty="0"/>
           </a:p>
@@ -2604,7 +2612,7 @@
             <a:fld id="{87DE6118-2437-4B30-8E3C-4D2BE6020583}" type="datetimeFigureOut">
               <a:rPr lang="en-US" dirty="0"/>
               <a:pPr/>
-              <a:t>11/30/2024</a:t>
+              <a:t>12/5/2024</a:t>
             </a:fld>
             <a:endParaRPr lang="en-US" dirty="0"/>
           </a:p>
@@ -2673,7 +2681,7 @@
             <a:fld id="{69E57DC2-970A-4B3E-BB1C-7A09969E49DF}" type="slidenum">
               <a:rPr lang="en-US" dirty="0"/>
               <a:pPr/>
-              <a:t>‹Nr.›</a:t>
+              <a:t>‹#›</a:t>
             </a:fld>
             <a:endParaRPr lang="en-US" dirty="0"/>
           </a:p>
@@ -2989,7 +2997,7 @@
             <a:fld id="{87DE6118-2437-4B30-8E3C-4D2BE6020583}" type="datetimeFigureOut">
               <a:rPr lang="en-US" dirty="0"/>
               <a:pPr/>
-              <a:t>11/30/2024</a:t>
+              <a:t>12/5/2024</a:t>
             </a:fld>
             <a:endParaRPr lang="en-US" dirty="0"/>
           </a:p>
@@ -3058,7 +3066,7 @@
             <a:fld id="{69E57DC2-970A-4B3E-BB1C-7A09969E49DF}" type="slidenum">
               <a:rPr lang="en-US" dirty="0"/>
               <a:pPr/>
-              <a:t>‹Nr.›</a:t>
+              <a:t>‹#›</a:t>
             </a:fld>
             <a:endParaRPr lang="en-US" dirty="0"/>
           </a:p>
@@ -3264,7 +3272,7 @@
             <a:fld id="{87DE6118-2437-4B30-8E3C-4D2BE6020583}" type="datetimeFigureOut">
               <a:rPr lang="en-US" dirty="0"/>
               <a:pPr/>
-              <a:t>11/30/2024</a:t>
+              <a:t>12/5/2024</a:t>
             </a:fld>
             <a:endParaRPr lang="en-US" dirty="0"/>
           </a:p>
@@ -3339,7 +3347,7 @@
             <a:fld id="{69E57DC2-970A-4B3E-BB1C-7A09969E49DF}" type="slidenum">
               <a:rPr lang="en-US" dirty="0"/>
               <a:pPr/>
-              <a:t>‹Nr.›</a:t>
+              <a:t>‹#›</a:t>
             </a:fld>
             <a:endParaRPr lang="en-US" dirty="0"/>
           </a:p>
@@ -3871,10 +3879,10 @@
       </p:grpSpPr>
       <p:sp>
         <p:nvSpPr>
-          <p:cNvPr id="2" name="Titel 1">
+          <p:cNvPr id="2" name="Title 1">
             <a:extLst>
               <a:ext uri="{FF2B5EF4-FFF2-40B4-BE49-F238E27FC236}">
-                <a16:creationId xmlns:a16="http://schemas.microsoft.com/office/drawing/2014/main" id="{5BA38C82-E2B2-C068-8FCB-A1D2C78FDC93}"/>
+                <a16:creationId xmlns:a16="http://schemas.microsoft.com/office/drawing/2014/main" id="{FC0A9D22-7219-EDCF-8DCF-DE101EBED432}"/>
               </a:ext>
             </a:extLst>
           </p:cNvPr>
@@ -3891,18 +3899,19 @@
           <a:lstStyle/>
           <a:p>
             <a:r>
-              <a:rPr lang="de-CH" dirty="0"/>
-              <a:t>Problem: Suchen</a:t>
-            </a:r>
-          </a:p>
-        </p:txBody>
-      </p:sp>
-      <p:sp>
-        <p:nvSpPr>
-          <p:cNvPr id="3" name="Inhaltsplatzhalter 2">
+              <a:rPr lang="en-GB" dirty="0"/>
+              <a:t>Agenda</a:t>
+            </a:r>
+            <a:endParaRPr lang="en-CH" dirty="0"/>
+          </a:p>
+        </p:txBody>
+      </p:sp>
+      <p:sp>
+        <p:nvSpPr>
+          <p:cNvPr id="3" name="Content Placeholder 2">
             <a:extLst>
               <a:ext uri="{FF2B5EF4-FFF2-40B4-BE49-F238E27FC236}">
-                <a16:creationId xmlns:a16="http://schemas.microsoft.com/office/drawing/2014/main" id="{EB5D0B28-A2CF-5325-72AB-34822A4FE496}"/>
+                <a16:creationId xmlns:a16="http://schemas.microsoft.com/office/drawing/2014/main" id="{8E115B5B-D03B-6CE0-534B-BEAD66FB3F6F}"/>
               </a:ext>
             </a:extLst>
           </p:cNvPr>
@@ -3919,47 +3928,71 @@
           <a:lstStyle/>
           <a:p>
             <a:r>
-              <a:rPr lang="de-CH" dirty="0"/>
-              <a:t>Wir suchen, wie oft eine Zeichenfolge in einem Text erscheint.</a:t>
-            </a:r>
-          </a:p>
-          <a:p>
-            <a:r>
-              <a:rPr lang="de-CH" dirty="0"/>
-              <a:t>Beispiel:  </a:t>
-            </a:r>
-          </a:p>
-          <a:p>
-            <a:pPr lvl="1"/>
-            <a:r>
-              <a:rPr lang="de-CH" dirty="0"/>
-              <a:t>Text: «ABCBC» </a:t>
-            </a:r>
-          </a:p>
-          <a:p>
-            <a:pPr lvl="1"/>
-            <a:r>
-              <a:rPr lang="de-CH" dirty="0"/>
-              <a:t>Suche nach «BC» </a:t>
-            </a:r>
-          </a:p>
-          <a:p>
-            <a:pPr lvl="1"/>
-            <a:r>
-              <a:rPr lang="de-CH" u="sng" dirty="0"/>
-              <a:t>Resultat</a:t>
-            </a:r>
-            <a:r>
-              <a:rPr lang="de-CH" dirty="0"/>
-              <a:t> = 2</a:t>
-            </a:r>
+              <a:rPr lang="en-GB" dirty="0" err="1"/>
+              <a:t>Einführung</a:t>
+            </a:r>
+            <a:endParaRPr lang="en-GB" dirty="0"/>
+          </a:p>
+          <a:p>
+            <a:r>
+              <a:rPr lang="en-GB" dirty="0" err="1"/>
+              <a:t>Suchanalyse</a:t>
+            </a:r>
+            <a:r>
+              <a:rPr lang="en-GB" dirty="0"/>
+              <a:t>: </a:t>
+            </a:r>
+            <a:r>
+              <a:rPr lang="en-GB" dirty="0" err="1"/>
+              <a:t>Häufigkeit</a:t>
+            </a:r>
+            <a:r>
+              <a:rPr lang="en-GB" dirty="0"/>
+              <a:t> von </a:t>
+            </a:r>
+            <a:r>
+              <a:rPr lang="en-GB" dirty="0" err="1"/>
+              <a:t>Zeichenketten</a:t>
+            </a:r>
+            <a:endParaRPr lang="en-GB" dirty="0"/>
+          </a:p>
+          <a:p>
+            <a:r>
+              <a:rPr lang="en-GB" dirty="0"/>
+              <a:t>Code: Implementation</a:t>
+            </a:r>
+          </a:p>
+          <a:p>
+            <a:r>
+              <a:rPr lang="en-GB" dirty="0"/>
+              <a:t>Unit Tests</a:t>
+            </a:r>
+          </a:p>
+          <a:p>
+            <a:r>
+              <a:rPr lang="en-GB" dirty="0" err="1"/>
+              <a:t>Github</a:t>
+            </a:r>
+            <a:r>
+              <a:rPr lang="en-GB" dirty="0"/>
+              <a:t> Workflow</a:t>
+            </a:r>
+          </a:p>
+          <a:p>
+            <a:r>
+              <a:rPr lang="en-GB" dirty="0"/>
+              <a:t>Q&amp;A </a:t>
+            </a:r>
+          </a:p>
+          <a:p>
+            <a:endParaRPr lang="en-CH" dirty="0"/>
           </a:p>
         </p:txBody>
       </p:sp>
     </p:spTree>
     <p:extLst>
       <p:ext uri="{BB962C8B-B14F-4D97-AF65-F5344CB8AC3E}">
-        <p14:creationId xmlns:p14="http://schemas.microsoft.com/office/powerpoint/2010/main" val="4269965214"/>
+        <p14:creationId xmlns:p14="http://schemas.microsoft.com/office/powerpoint/2010/main" val="1214730859"/>
       </p:ext>
     </p:extLst>
   </p:cSld>
@@ -3991,6 +4024,270 @@
           <p:cNvPr id="2" name="Titel 1">
             <a:extLst>
               <a:ext uri="{FF2B5EF4-FFF2-40B4-BE49-F238E27FC236}">
+                <a16:creationId xmlns:a16="http://schemas.microsoft.com/office/drawing/2014/main" id="{5BA38C82-E2B2-C068-8FCB-A1D2C78FDC93}"/>
+              </a:ext>
+            </a:extLst>
+          </p:cNvPr>
+          <p:cNvSpPr>
+            <a:spLocks noGrp="1"/>
+          </p:cNvSpPr>
+          <p:nvPr>
+            <p:ph type="title"/>
+          </p:nvPr>
+        </p:nvSpPr>
+        <p:spPr>
+          <a:xfrm>
+            <a:off x="1371600" y="685800"/>
+            <a:ext cx="10195560" cy="1485900"/>
+          </a:xfrm>
+        </p:spPr>
+        <p:txBody>
+          <a:bodyPr/>
+          <a:lstStyle/>
+          <a:p>
+            <a:r>
+              <a:rPr lang="en-GB" dirty="0" err="1"/>
+              <a:t>Suchanalyse</a:t>
+            </a:r>
+            <a:r>
+              <a:rPr lang="en-GB" dirty="0"/>
+              <a:t>: </a:t>
+            </a:r>
+            <a:br>
+              <a:rPr lang="en-GB" dirty="0"/>
+            </a:br>
+            <a:r>
+              <a:rPr lang="en-GB" dirty="0" err="1"/>
+              <a:t>Häufigkeit</a:t>
+            </a:r>
+            <a:r>
+              <a:rPr lang="en-GB" dirty="0"/>
+              <a:t> von </a:t>
+            </a:r>
+            <a:r>
+              <a:rPr lang="en-GB" dirty="0" err="1"/>
+              <a:t>Zeichenketten</a:t>
+            </a:r>
+            <a:endParaRPr lang="de-CH" dirty="0"/>
+          </a:p>
+        </p:txBody>
+      </p:sp>
+      <p:sp>
+        <p:nvSpPr>
+          <p:cNvPr id="3" name="Inhaltsplatzhalter 2">
+            <a:extLst>
+              <a:ext uri="{FF2B5EF4-FFF2-40B4-BE49-F238E27FC236}">
+                <a16:creationId xmlns:a16="http://schemas.microsoft.com/office/drawing/2014/main" id="{EB5D0B28-A2CF-5325-72AB-34822A4FE496}"/>
+              </a:ext>
+            </a:extLst>
+          </p:cNvPr>
+          <p:cNvSpPr>
+            <a:spLocks noGrp="1"/>
+          </p:cNvSpPr>
+          <p:nvPr>
+            <p:ph idx="1"/>
+          </p:nvPr>
+        </p:nvSpPr>
+        <p:spPr/>
+        <p:txBody>
+          <a:bodyPr/>
+          <a:lstStyle/>
+          <a:p>
+            <a:r>
+              <a:rPr lang="de-CH" dirty="0"/>
+              <a:t>Wir suchen, wie oft eine Zeichenfolge in einem Text erscheint.</a:t>
+            </a:r>
+          </a:p>
+          <a:p>
+            <a:r>
+              <a:rPr lang="de-CH" dirty="0"/>
+              <a:t>Beispiel:  </a:t>
+            </a:r>
+          </a:p>
+          <a:p>
+            <a:pPr lvl="1"/>
+            <a:r>
+              <a:rPr lang="de-CH" dirty="0"/>
+              <a:t>Text: «ABCBC» </a:t>
+            </a:r>
+          </a:p>
+          <a:p>
+            <a:pPr lvl="1"/>
+            <a:r>
+              <a:rPr lang="de-CH" dirty="0"/>
+              <a:t>Suche nach «BC» </a:t>
+            </a:r>
+          </a:p>
+          <a:p>
+            <a:pPr lvl="1"/>
+            <a:r>
+              <a:rPr lang="de-CH" u="sng" dirty="0"/>
+              <a:t>Resultat</a:t>
+            </a:r>
+            <a:r>
+              <a:rPr lang="de-CH" dirty="0"/>
+              <a:t> = 2</a:t>
+            </a:r>
+          </a:p>
+        </p:txBody>
+      </p:sp>
+    </p:spTree>
+    <p:extLst>
+      <p:ext uri="{BB962C8B-B14F-4D97-AF65-F5344CB8AC3E}">
+        <p14:creationId xmlns:p14="http://schemas.microsoft.com/office/powerpoint/2010/main" val="4269965214"/>
+      </p:ext>
+    </p:extLst>
+  </p:cSld>
+  <p:clrMapOvr>
+    <a:masterClrMapping/>
+  </p:clrMapOvr>
+</p:sld>
+</file>
+
+<file path=ppt/slides/slide4.xml><?xml version="1.0" encoding="utf-8"?>
+<p:sld xmlns:a="http://schemas.openxmlformats.org/drawingml/2006/main" xmlns:r="http://schemas.openxmlformats.org/officeDocument/2006/relationships" xmlns:p="http://schemas.openxmlformats.org/presentationml/2006/main">
+  <p:cSld>
+    <p:spTree>
+      <p:nvGrpSpPr>
+        <p:cNvPr id="1" name="">
+          <a:extLst>
+            <a:ext uri="{FF2B5EF4-FFF2-40B4-BE49-F238E27FC236}">
+              <a16:creationId xmlns:a16="http://schemas.microsoft.com/office/drawing/2014/main" id="{AF8A2B2C-9DBD-D5E8-743F-6FC81874FD1B}"/>
+            </a:ext>
+          </a:extLst>
+        </p:cNvPr>
+        <p:cNvGrpSpPr/>
+        <p:nvPr/>
+      </p:nvGrpSpPr>
+      <p:grpSpPr>
+        <a:xfrm>
+          <a:off x="0" y="0"/>
+          <a:ext cx="0" cy="0"/>
+          <a:chOff x="0" y="0"/>
+          <a:chExt cx="0" cy="0"/>
+        </a:xfrm>
+      </p:grpSpPr>
+      <p:sp>
+        <p:nvSpPr>
+          <p:cNvPr id="2" name="Titel 1">
+            <a:extLst>
+              <a:ext uri="{FF2B5EF4-FFF2-40B4-BE49-F238E27FC236}">
+                <a16:creationId xmlns:a16="http://schemas.microsoft.com/office/drawing/2014/main" id="{4AB8CA05-5EBF-D1D9-DAC0-0146B973C33B}"/>
+              </a:ext>
+            </a:extLst>
+          </p:cNvPr>
+          <p:cNvSpPr>
+            <a:spLocks noGrp="1"/>
+          </p:cNvSpPr>
+          <p:nvPr>
+            <p:ph type="title"/>
+          </p:nvPr>
+        </p:nvSpPr>
+        <p:spPr/>
+        <p:txBody>
+          <a:bodyPr/>
+          <a:lstStyle/>
+          <a:p>
+            <a:r>
+              <a:rPr lang="de-CH" dirty="0"/>
+              <a:t>Code</a:t>
+            </a:r>
+          </a:p>
+        </p:txBody>
+      </p:sp>
+      <p:pic>
+        <p:nvPicPr>
+          <p:cNvPr id="7" name="Grafik 6">
+            <a:extLst>
+              <a:ext uri="{FF2B5EF4-FFF2-40B4-BE49-F238E27FC236}">
+                <a16:creationId xmlns:a16="http://schemas.microsoft.com/office/drawing/2014/main" id="{2270CD5C-4DAC-8927-C519-E0CEE7B5DEF3}"/>
+              </a:ext>
+            </a:extLst>
+          </p:cNvPr>
+          <p:cNvPicPr>
+            <a:picLocks noChangeAspect="1"/>
+          </p:cNvPicPr>
+          <p:nvPr/>
+        </p:nvPicPr>
+        <p:blipFill>
+          <a:blip r:embed="rId2"/>
+          <a:srcRect r="3509" b="7656"/>
+          <a:stretch/>
+        </p:blipFill>
+        <p:spPr>
+          <a:xfrm>
+            <a:off x="905549" y="2013758"/>
+            <a:ext cx="6757400" cy="2830483"/>
+          </a:xfrm>
+          <a:prstGeom prst="rect">
+            <a:avLst/>
+          </a:prstGeom>
+        </p:spPr>
+      </p:pic>
+      <p:pic>
+        <p:nvPicPr>
+          <p:cNvPr id="6" name="Picture 5">
+            <a:extLst>
+              <a:ext uri="{FF2B5EF4-FFF2-40B4-BE49-F238E27FC236}">
+                <a16:creationId xmlns:a16="http://schemas.microsoft.com/office/drawing/2014/main" id="{A176D20D-B0B8-249A-F2FB-20676250F433}"/>
+              </a:ext>
+            </a:extLst>
+          </p:cNvPr>
+          <p:cNvPicPr>
+            <a:picLocks noChangeAspect="1"/>
+          </p:cNvPicPr>
+          <p:nvPr/>
+        </p:nvPicPr>
+        <p:blipFill>
+          <a:blip r:embed="rId3"/>
+          <a:srcRect l="6982" r="8672"/>
+          <a:stretch/>
+        </p:blipFill>
+        <p:spPr>
+          <a:xfrm>
+            <a:off x="7815349" y="320601"/>
+            <a:ext cx="3005051" cy="6018548"/>
+          </a:xfrm>
+          <a:prstGeom prst="rect">
+            <a:avLst/>
+          </a:prstGeom>
+        </p:spPr>
+      </p:pic>
+    </p:spTree>
+    <p:extLst>
+      <p:ext uri="{BB962C8B-B14F-4D97-AF65-F5344CB8AC3E}">
+        <p14:creationId xmlns:p14="http://schemas.microsoft.com/office/powerpoint/2010/main" val="38256077"/>
+      </p:ext>
+    </p:extLst>
+  </p:cSld>
+  <p:clrMapOvr>
+    <a:masterClrMapping/>
+  </p:clrMapOvr>
+</p:sld>
+</file>
+
+<file path=ppt/slides/slide5.xml><?xml version="1.0" encoding="utf-8"?>
+<p:sld xmlns:a="http://schemas.openxmlformats.org/drawingml/2006/main" xmlns:r="http://schemas.openxmlformats.org/officeDocument/2006/relationships" xmlns:p="http://schemas.openxmlformats.org/presentationml/2006/main">
+  <p:cSld>
+    <p:spTree>
+      <p:nvGrpSpPr>
+        <p:cNvPr id="1" name=""/>
+        <p:cNvGrpSpPr/>
+        <p:nvPr/>
+      </p:nvGrpSpPr>
+      <p:grpSpPr>
+        <a:xfrm>
+          <a:off x="0" y="0"/>
+          <a:ext cx="0" cy="0"/>
+          <a:chOff x="0" y="0"/>
+          <a:chExt cx="0" cy="0"/>
+        </a:xfrm>
+      </p:grpSpPr>
+      <p:sp>
+        <p:nvSpPr>
+          <p:cNvPr id="2" name="Titel 1">
+            <a:extLst>
+              <a:ext uri="{FF2B5EF4-FFF2-40B4-BE49-F238E27FC236}">
                 <a16:creationId xmlns:a16="http://schemas.microsoft.com/office/drawing/2014/main" id="{5A0A44E0-2A13-FFA1-973B-06628FFEB568}"/>
               </a:ext>
             </a:extLst>
@@ -4009,33 +4306,8 @@
           <a:p>
             <a:r>
               <a:rPr lang="de-CH" dirty="0"/>
-              <a:t>Code</a:t>
-            </a:r>
-          </a:p>
-        </p:txBody>
-      </p:sp>
-      <p:sp>
-        <p:nvSpPr>
-          <p:cNvPr id="3" name="Inhaltsplatzhalter 2">
-            <a:extLst>
-              <a:ext uri="{FF2B5EF4-FFF2-40B4-BE49-F238E27FC236}">
-                <a16:creationId xmlns:a16="http://schemas.microsoft.com/office/drawing/2014/main" id="{ADABC595-360B-B8BD-7AA6-BB8907ABA609}"/>
-              </a:ext>
-            </a:extLst>
-          </p:cNvPr>
-          <p:cNvSpPr>
-            <a:spLocks noGrp="1"/>
-          </p:cNvSpPr>
-          <p:nvPr>
-            <p:ph idx="1"/>
-          </p:nvPr>
-        </p:nvSpPr>
-        <p:spPr/>
-        <p:txBody>
-          <a:bodyPr/>
-          <a:lstStyle/>
-          <a:p>
-            <a:endParaRPr lang="de-CH" dirty="0"/>
+              <a:t>Unit Test</a:t>
+            </a:r>
           </a:p>
         </p:txBody>
       </p:sp>
@@ -4055,44 +4327,13 @@
         </p:nvPicPr>
         <p:blipFill>
           <a:blip r:embed="rId2"/>
-          <a:stretch>
-            <a:fillRect/>
-          </a:stretch>
+          <a:srcRect t="5612" r="43703" b="7131"/>
+          <a:stretch/>
         </p:blipFill>
         <p:spPr>
           <a:xfrm>
-            <a:off x="-17940940" y="-12127831"/>
-            <a:ext cx="12556662" cy="6858000"/>
-          </a:xfrm>
-          <a:prstGeom prst="rect">
-            <a:avLst/>
-          </a:prstGeom>
-        </p:spPr>
-      </p:pic>
-      <p:pic>
-        <p:nvPicPr>
-          <p:cNvPr id="7" name="Grafik 6">
-            <a:extLst>
-              <a:ext uri="{FF2B5EF4-FFF2-40B4-BE49-F238E27FC236}">
-                <a16:creationId xmlns:a16="http://schemas.microsoft.com/office/drawing/2014/main" id="{99438495-14E8-29E5-2F5B-2BDC0F0D6F5B}"/>
-              </a:ext>
-            </a:extLst>
-          </p:cNvPr>
-          <p:cNvPicPr>
-            <a:picLocks noChangeAspect="1"/>
-          </p:cNvPicPr>
-          <p:nvPr/>
-        </p:nvPicPr>
-        <p:blipFill>
-          <a:blip r:embed="rId3"/>
-          <a:stretch>
-            <a:fillRect/>
-          </a:stretch>
-        </p:blipFill>
-        <p:spPr>
-          <a:xfrm>
-            <a:off x="5188857" y="-10780295"/>
-            <a:ext cx="7003143" cy="3065159"/>
+            <a:off x="1402654" y="1321724"/>
+            <a:ext cx="6161927" cy="5216236"/>
           </a:xfrm>
           <a:prstGeom prst="rect">
             <a:avLst/>
@@ -4109,120 +4350,10 @@
   <p:clrMapOvr>
     <a:masterClrMapping/>
   </p:clrMapOvr>
-  <p:timing>
-    <p:tnLst>
-      <p:par>
-        <p:cTn id="1" dur="indefinite" restart="never" nodeType="tmRoot">
-          <p:childTnLst>
-            <p:seq concurrent="1" nextAc="seek">
-              <p:cTn id="2" dur="indefinite" nodeType="mainSeq">
-                <p:childTnLst>
-                  <p:par>
-                    <p:cTn id="3" fill="hold">
-                      <p:stCondLst>
-                        <p:cond delay="indefinite"/>
-                      </p:stCondLst>
-                      <p:childTnLst>
-                        <p:par>
-                          <p:cTn id="4" fill="hold">
-                            <p:stCondLst>
-                              <p:cond delay="0"/>
-                            </p:stCondLst>
-                            <p:childTnLst>
-                              <p:par>
-                                <p:cTn id="5" presetID="42" presetClass="path" presetSubtype="0" accel="50000" decel="50000" fill="hold" nodeType="clickEffect">
-                                  <p:stCondLst>
-                                    <p:cond delay="0"/>
-                                  </p:stCondLst>
-                                  <p:childTnLst>
-                                    <p:animMotion origin="layout" path="M 4.16667E-7 -1.48148E-6 L 1.45651 1.76852 " pathEditMode="relative" rAng="0" ptsTypes="AA">
-                                      <p:cBhvr>
-                                        <p:cTn id="6" dur="1000" fill="hold"/>
-                                        <p:tgtEl>
-                                          <p:spTgt spid="5"/>
-                                        </p:tgtEl>
-                                        <p:attrNameLst>
-                                          <p:attrName>ppt_x</p:attrName>
-                                          <p:attrName>ppt_y</p:attrName>
-                                        </p:attrNameLst>
-                                      </p:cBhvr>
-                                      <p:rCtr x="72826" y="88426"/>
-                                    </p:animMotion>
-                                  </p:childTnLst>
-                                </p:cTn>
-                              </p:par>
-                            </p:childTnLst>
-                          </p:cTn>
-                        </p:par>
-                      </p:childTnLst>
-                    </p:cTn>
-                  </p:par>
-                  <p:par>
-                    <p:cTn id="7" fill="hold">
-                      <p:stCondLst>
-                        <p:cond delay="indefinite"/>
-                      </p:stCondLst>
-                      <p:childTnLst>
-                        <p:par>
-                          <p:cTn id="8" fill="hold">
-                            <p:stCondLst>
-                              <p:cond delay="0"/>
-                            </p:stCondLst>
-                            <p:childTnLst>
-                              <p:par>
-                                <p:cTn id="9" presetID="42" presetClass="path" presetSubtype="0" accel="50000" decel="50000" fill="hold" nodeType="clickEffect">
-                                  <p:stCondLst>
-                                    <p:cond delay="0"/>
-                                  </p:stCondLst>
-                                  <p:childTnLst>
-                                    <p:animMotion origin="layout" path="M -4.16667E-7 -3.7037E-7 L -0.01016 1.68171 " pathEditMode="relative" rAng="0" ptsTypes="AA">
-                                      <p:cBhvr>
-                                        <p:cTn id="10" dur="2000" fill="hold"/>
-                                        <p:tgtEl>
-                                          <p:spTgt spid="7"/>
-                                        </p:tgtEl>
-                                        <p:attrNameLst>
-                                          <p:attrName>ppt_x</p:attrName>
-                                          <p:attrName>ppt_y</p:attrName>
-                                        </p:attrNameLst>
-                                      </p:cBhvr>
-                                      <p:rCtr x="-508" y="84097"/>
-                                    </p:animMotion>
-                                  </p:childTnLst>
-                                </p:cTn>
-                              </p:par>
-                            </p:childTnLst>
-                          </p:cTn>
-                        </p:par>
-                      </p:childTnLst>
-                    </p:cTn>
-                  </p:par>
-                </p:childTnLst>
-              </p:cTn>
-              <p:prevCondLst>
-                <p:cond evt="onPrev" delay="0">
-                  <p:tgtEl>
-                    <p:sldTgt/>
-                  </p:tgtEl>
-                </p:cond>
-              </p:prevCondLst>
-              <p:nextCondLst>
-                <p:cond evt="onNext" delay="0">
-                  <p:tgtEl>
-                    <p:sldTgt/>
-                  </p:tgtEl>
-                </p:cond>
-              </p:nextCondLst>
-            </p:seq>
-          </p:childTnLst>
-        </p:cTn>
-      </p:par>
-    </p:tnLst>
-  </p:timing>
 </p:sld>
 </file>
 
-<file path=ppt/slides/slide4.xml><?xml version="1.0" encoding="utf-8"?>
+<file path=ppt/slides/slide6.xml><?xml version="1.0" encoding="utf-8"?>
 <p:sld xmlns:a="http://schemas.openxmlformats.org/drawingml/2006/main" xmlns:r="http://schemas.openxmlformats.org/officeDocument/2006/relationships" xmlns:p="http://schemas.openxmlformats.org/presentationml/2006/main">
   <p:cSld>
     <p:spTree>
@@ -4262,7 +4393,7 @@
           <a:p>
             <a:r>
               <a:rPr lang="de-CH" dirty="0"/>
-              <a:t>Pipeline</a:t>
+              <a:t>Github Workflow</a:t>
             </a:r>
           </a:p>
         </p:txBody>
@@ -4283,14 +4414,42 @@
         </p:nvPicPr>
         <p:blipFill>
           <a:blip r:embed="rId2"/>
-          <a:stretch>
-            <a:fillRect/>
-          </a:stretch>
+          <a:srcRect r="29803" b="19755"/>
+          <a:stretch/>
         </p:blipFill>
         <p:spPr>
           <a:xfrm>
-            <a:off x="3715040" y="845457"/>
-            <a:ext cx="5201282" cy="5167086"/>
+            <a:off x="1219200" y="1428750"/>
+            <a:ext cx="4591777" cy="5214522"/>
+          </a:xfrm>
+          <a:prstGeom prst="rect">
+            <a:avLst/>
+          </a:prstGeom>
+        </p:spPr>
+      </p:pic>
+      <p:pic>
+        <p:nvPicPr>
+          <p:cNvPr id="6" name="Picture 5">
+            <a:extLst>
+              <a:ext uri="{FF2B5EF4-FFF2-40B4-BE49-F238E27FC236}">
+                <a16:creationId xmlns:a16="http://schemas.microsoft.com/office/drawing/2014/main" id="{8935A1C5-1812-6D7D-833C-9EB07B336401}"/>
+              </a:ext>
+            </a:extLst>
+          </p:cNvPr>
+          <p:cNvPicPr>
+            <a:picLocks noChangeAspect="1"/>
+          </p:cNvPicPr>
+          <p:nvPr/>
+        </p:nvPicPr>
+        <p:blipFill>
+          <a:blip r:embed="rId3"/>
+          <a:srcRect l="27743"/>
+          <a:stretch/>
+        </p:blipFill>
+        <p:spPr>
+          <a:xfrm>
+            <a:off x="5906316" y="1428750"/>
+            <a:ext cx="5765642" cy="4422269"/>
           </a:xfrm>
           <a:prstGeom prst="rect">
             <a:avLst/>
@@ -4301,6 +4460,169 @@
     <p:extLst>
       <p:ext uri="{BB962C8B-B14F-4D97-AF65-F5344CB8AC3E}">
         <p14:creationId xmlns:p14="http://schemas.microsoft.com/office/powerpoint/2010/main" val="1526318465"/>
+      </p:ext>
+    </p:extLst>
+  </p:cSld>
+  <p:clrMapOvr>
+    <a:masterClrMapping/>
+  </p:clrMapOvr>
+</p:sld>
+</file>
+
+<file path=ppt/slides/slide7.xml><?xml version="1.0" encoding="utf-8"?>
+<p:sld xmlns:a="http://schemas.openxmlformats.org/drawingml/2006/main" xmlns:r="http://schemas.openxmlformats.org/officeDocument/2006/relationships" xmlns:p="http://schemas.openxmlformats.org/presentationml/2006/main">
+  <p:cSld>
+    <p:spTree>
+      <p:nvGrpSpPr>
+        <p:cNvPr id="1" name="">
+          <a:extLst>
+            <a:ext uri="{FF2B5EF4-FFF2-40B4-BE49-F238E27FC236}">
+              <a16:creationId xmlns:a16="http://schemas.microsoft.com/office/drawing/2014/main" id="{E8973F22-844C-EF27-76E3-BE1D3F8D3E1E}"/>
+            </a:ext>
+          </a:extLst>
+        </p:cNvPr>
+        <p:cNvGrpSpPr/>
+        <p:nvPr/>
+      </p:nvGrpSpPr>
+      <p:grpSpPr>
+        <a:xfrm>
+          <a:off x="0" y="0"/>
+          <a:ext cx="0" cy="0"/>
+          <a:chOff x="0" y="0"/>
+          <a:chExt cx="0" cy="0"/>
+        </a:xfrm>
+      </p:grpSpPr>
+      <p:pic>
+        <p:nvPicPr>
+          <p:cNvPr id="3076" name="Picture 4">
+            <a:extLst>
+              <a:ext uri="{FF2B5EF4-FFF2-40B4-BE49-F238E27FC236}">
+                <a16:creationId xmlns:a16="http://schemas.microsoft.com/office/drawing/2014/main" id="{04411093-FC8C-0EF8-3DAD-D5FC3F47F064}"/>
+              </a:ext>
+            </a:extLst>
+          </p:cNvPr>
+          <p:cNvPicPr>
+            <a:picLocks noChangeAspect="1" noChangeArrowheads="1"/>
+          </p:cNvPicPr>
+          <p:nvPr/>
+        </p:nvPicPr>
+        <p:blipFill>
+          <a:blip r:embed="rId2">
+            <a:extLst>
+              <a:ext uri="{28A0092B-C50C-407E-A947-70E740481C1C}">
+                <a14:useLocalDpi xmlns:a14="http://schemas.microsoft.com/office/drawing/2010/main" val="0"/>
+              </a:ext>
+            </a:extLst>
+          </a:blip>
+          <a:srcRect/>
+          <a:stretch>
+            <a:fillRect/>
+          </a:stretch>
+        </p:blipFill>
+        <p:spPr bwMode="auto">
+          <a:xfrm>
+            <a:off x="11684192" y="0"/>
+            <a:ext cx="507808" cy="558253"/>
+          </a:xfrm>
+          <a:prstGeom prst="rect">
+            <a:avLst/>
+          </a:prstGeom>
+          <a:noFill/>
+          <a:extLst>
+            <a:ext uri="{909E8E84-426E-40DD-AFC4-6F175D3DCCD1}">
+              <a14:hiddenFill xmlns:a14="http://schemas.microsoft.com/office/drawing/2010/main">
+                <a:solidFill>
+                  <a:srgbClr val="FFFFFF"/>
+                </a:solidFill>
+              </a14:hiddenFill>
+            </a:ext>
+          </a:extLst>
+        </p:spPr>
+      </p:pic>
+      <p:pic>
+        <p:nvPicPr>
+          <p:cNvPr id="3078" name="Picture 6">
+            <a:extLst>
+              <a:ext uri="{FF2B5EF4-FFF2-40B4-BE49-F238E27FC236}">
+                <a16:creationId xmlns:a16="http://schemas.microsoft.com/office/drawing/2014/main" id="{52951650-7F6A-BC3E-634C-D53AC0E47EAA}"/>
+              </a:ext>
+            </a:extLst>
+          </p:cNvPr>
+          <p:cNvPicPr>
+            <a:picLocks noChangeAspect="1" noChangeArrowheads="1"/>
+          </p:cNvPicPr>
+          <p:nvPr/>
+        </p:nvPicPr>
+        <p:blipFill>
+          <a:blip r:embed="rId3">
+            <a:extLst>
+              <a:ext uri="{28A0092B-C50C-407E-A947-70E740481C1C}">
+                <a14:useLocalDpi xmlns:a14="http://schemas.microsoft.com/office/drawing/2010/main" val="0"/>
+              </a:ext>
+            </a:extLst>
+          </a:blip>
+          <a:srcRect/>
+          <a:stretch>
+            <a:fillRect/>
+          </a:stretch>
+        </p:blipFill>
+        <p:spPr bwMode="auto">
+          <a:xfrm>
+            <a:off x="4921442" y="2254442"/>
+            <a:ext cx="2349116" cy="2349116"/>
+          </a:xfrm>
+          <a:prstGeom prst="rect">
+            <a:avLst/>
+          </a:prstGeom>
+          <a:noFill/>
+          <a:extLst>
+            <a:ext uri="{909E8E84-426E-40DD-AFC4-6F175D3DCCD1}">
+              <a14:hiddenFill xmlns:a14="http://schemas.microsoft.com/office/drawing/2010/main">
+                <a:solidFill>
+                  <a:srgbClr val="FFFFFF"/>
+                </a:solidFill>
+              </a14:hiddenFill>
+            </a:ext>
+          </a:extLst>
+        </p:spPr>
+      </p:pic>
+      <p:sp>
+        <p:nvSpPr>
+          <p:cNvPr id="3" name="Titel 1">
+            <a:extLst>
+              <a:ext uri="{FF2B5EF4-FFF2-40B4-BE49-F238E27FC236}">
+                <a16:creationId xmlns:a16="http://schemas.microsoft.com/office/drawing/2014/main" id="{D5716F1C-9EDA-A9F7-4A66-2E9797CE9ACE}"/>
+              </a:ext>
+            </a:extLst>
+          </p:cNvPr>
+          <p:cNvSpPr>
+            <a:spLocks noGrp="1"/>
+          </p:cNvSpPr>
+          <p:nvPr>
+            <p:ph type="title"/>
+          </p:nvPr>
+        </p:nvSpPr>
+        <p:spPr>
+          <a:xfrm>
+            <a:off x="5526593" y="685800"/>
+            <a:ext cx="1296237" cy="1485900"/>
+          </a:xfrm>
+        </p:spPr>
+        <p:txBody>
+          <a:bodyPr/>
+          <a:lstStyle/>
+          <a:p>
+            <a:r>
+              <a:rPr lang="de-CH" dirty="0"/>
+              <a:t>Q&amp;A</a:t>
+            </a:r>
+          </a:p>
+        </p:txBody>
+      </p:sp>
+    </p:spTree>
+    <p:extLst>
+      <p:ext uri="{BB962C8B-B14F-4D97-AF65-F5344CB8AC3E}">
+        <p14:creationId xmlns:p14="http://schemas.microsoft.com/office/powerpoint/2010/main" val="3254799451"/>
       </p:ext>
     </p:extLst>
   </p:cSld>

--- a/Suchen_Präsi.pptx
+++ b/Suchen_Präsi.pptx
@@ -464,7 +464,7 @@
             <a:fld id="{69E57DC2-970A-4B3E-BB1C-7A09969E49DF}" type="slidenum">
               <a:rPr lang="en-US" smtClean="0"/>
               <a:pPr/>
-              <a:t>‹#›</a:t>
+              <a:t>‹Nr.›</a:t>
             </a:fld>
             <a:endParaRPr lang="en-US" dirty="0"/>
           </a:p>
@@ -592,7 +592,7 @@
           <a:p>
             <a:fld id="{87DE6118-2437-4B30-8E3C-4D2BE6020583}" type="datetimeFigureOut">
               <a:rPr lang="en-US" dirty="0"/>
-              <a:t>12/5/2024</a:t>
+              <a:t>12/7/2024</a:t>
             </a:fld>
             <a:endParaRPr lang="en-US" dirty="0"/>
           </a:p>
@@ -634,7 +634,7 @@
           <a:p>
             <a:fld id="{69E57DC2-970A-4B3E-BB1C-7A09969E49DF}" type="slidenum">
               <a:rPr lang="en-US" dirty="0"/>
-              <a:t>‹#›</a:t>
+              <a:t>‹Nr.›</a:t>
             </a:fld>
             <a:endParaRPr lang="en-US" dirty="0"/>
           </a:p>
@@ -767,7 +767,7 @@
           <a:p>
             <a:fld id="{87DE6118-2437-4B30-8E3C-4D2BE6020583}" type="datetimeFigureOut">
               <a:rPr lang="en-US" dirty="0"/>
-              <a:t>12/5/2024</a:t>
+              <a:t>12/7/2024</a:t>
             </a:fld>
             <a:endParaRPr lang="en-US" dirty="0"/>
           </a:p>
@@ -809,7 +809,7 @@
           <a:p>
             <a:fld id="{69E57DC2-970A-4B3E-BB1C-7A09969E49DF}" type="slidenum">
               <a:rPr lang="en-US" dirty="0"/>
-              <a:t>‹#›</a:t>
+              <a:t>‹Nr.›</a:t>
             </a:fld>
             <a:endParaRPr lang="en-US" dirty="0"/>
           </a:p>
@@ -932,7 +932,7 @@
           <a:p>
             <a:fld id="{87DE6118-2437-4B30-8E3C-4D2BE6020583}" type="datetimeFigureOut">
               <a:rPr lang="en-US" dirty="0"/>
-              <a:t>12/5/2024</a:t>
+              <a:t>12/7/2024</a:t>
             </a:fld>
             <a:endParaRPr lang="en-US" dirty="0"/>
           </a:p>
@@ -974,7 +974,7 @@
           <a:p>
             <a:fld id="{69E57DC2-970A-4B3E-BB1C-7A09969E49DF}" type="slidenum">
               <a:rPr lang="en-US" dirty="0"/>
-              <a:t>‹#›</a:t>
+              <a:t>‹Nr.›</a:t>
             </a:fld>
             <a:endParaRPr lang="en-US" dirty="0"/>
           </a:p>
@@ -1205,7 +1205,7 @@
             <a:fld id="{87DE6118-2437-4B30-8E3C-4D2BE6020583}" type="datetimeFigureOut">
               <a:rPr lang="en-US" dirty="0"/>
               <a:pPr/>
-              <a:t>12/5/2024</a:t>
+              <a:t>12/7/2024</a:t>
             </a:fld>
             <a:endParaRPr lang="en-US" dirty="0"/>
           </a:p>
@@ -1274,7 +1274,7 @@
             <a:fld id="{69E57DC2-970A-4B3E-BB1C-7A09969E49DF}" type="slidenum">
               <a:rPr lang="en-US" dirty="0"/>
               <a:pPr/>
-              <a:t>‹#›</a:t>
+              <a:t>‹Nr.›</a:t>
             </a:fld>
             <a:endParaRPr lang="en-US" dirty="0"/>
           </a:p>
@@ -1595,7 +1595,7 @@
           <a:p>
             <a:fld id="{87DE6118-2437-4B30-8E3C-4D2BE6020583}" type="datetimeFigureOut">
               <a:rPr lang="en-US" dirty="0"/>
-              <a:t>12/5/2024</a:t>
+              <a:t>12/7/2024</a:t>
             </a:fld>
             <a:endParaRPr lang="en-US" dirty="0"/>
           </a:p>
@@ -1637,7 +1637,7 @@
           <a:p>
             <a:fld id="{69E57DC2-970A-4B3E-BB1C-7A09969E49DF}" type="slidenum">
               <a:rPr lang="en-US" dirty="0"/>
-              <a:t>‹#›</a:t>
+              <a:t>‹Nr.›</a:t>
             </a:fld>
             <a:endParaRPr lang="en-US" dirty="0"/>
           </a:p>
@@ -2067,7 +2067,7 @@
           <a:p>
             <a:fld id="{87DE6118-2437-4B30-8E3C-4D2BE6020583}" type="datetimeFigureOut">
               <a:rPr lang="en-US" dirty="0"/>
-              <a:t>12/5/2024</a:t>
+              <a:t>12/7/2024</a:t>
             </a:fld>
             <a:endParaRPr lang="en-US" dirty="0"/>
           </a:p>
@@ -2109,7 +2109,7 @@
           <a:p>
             <a:fld id="{69E57DC2-970A-4B3E-BB1C-7A09969E49DF}" type="slidenum">
               <a:rPr lang="en-US" dirty="0"/>
-              <a:t>‹#›</a:t>
+              <a:t>‹Nr.›</a:t>
             </a:fld>
             <a:endParaRPr lang="en-US" dirty="0"/>
           </a:p>
@@ -2180,7 +2180,7 @@
           <a:p>
             <a:fld id="{87DE6118-2437-4B30-8E3C-4D2BE6020583}" type="datetimeFigureOut">
               <a:rPr lang="en-US" dirty="0"/>
-              <a:t>12/5/2024</a:t>
+              <a:t>12/7/2024</a:t>
             </a:fld>
             <a:endParaRPr lang="en-US" dirty="0"/>
           </a:p>
@@ -2222,7 +2222,7 @@
           <a:p>
             <a:fld id="{69E57DC2-970A-4B3E-BB1C-7A09969E49DF}" type="slidenum">
               <a:rPr lang="en-US" dirty="0"/>
-              <a:t>‹#›</a:t>
+              <a:t>‹Nr.›</a:t>
             </a:fld>
             <a:endParaRPr lang="en-US" dirty="0"/>
           </a:p>
@@ -2270,7 +2270,7 @@
           <a:p>
             <a:fld id="{87DE6118-2437-4B30-8E3C-4D2BE6020583}" type="datetimeFigureOut">
               <a:rPr lang="en-US" dirty="0"/>
-              <a:t>12/5/2024</a:t>
+              <a:t>12/7/2024</a:t>
             </a:fld>
             <a:endParaRPr lang="en-US" dirty="0"/>
           </a:p>
@@ -2312,7 +2312,7 @@
           <a:p>
             <a:fld id="{69E57DC2-970A-4B3E-BB1C-7A09969E49DF}" type="slidenum">
               <a:rPr lang="en-US" dirty="0"/>
-              <a:t>‹#›</a:t>
+              <a:t>‹Nr.›</a:t>
             </a:fld>
             <a:endParaRPr lang="en-US" dirty="0"/>
           </a:p>
@@ -2612,7 +2612,7 @@
             <a:fld id="{87DE6118-2437-4B30-8E3C-4D2BE6020583}" type="datetimeFigureOut">
               <a:rPr lang="en-US" dirty="0"/>
               <a:pPr/>
-              <a:t>12/5/2024</a:t>
+              <a:t>12/7/2024</a:t>
             </a:fld>
             <a:endParaRPr lang="en-US" dirty="0"/>
           </a:p>
@@ -2681,7 +2681,7 @@
             <a:fld id="{69E57DC2-970A-4B3E-BB1C-7A09969E49DF}" type="slidenum">
               <a:rPr lang="en-US" dirty="0"/>
               <a:pPr/>
-              <a:t>‹#›</a:t>
+              <a:t>‹Nr.›</a:t>
             </a:fld>
             <a:endParaRPr lang="en-US" dirty="0"/>
           </a:p>
@@ -2997,7 +2997,7 @@
             <a:fld id="{87DE6118-2437-4B30-8E3C-4D2BE6020583}" type="datetimeFigureOut">
               <a:rPr lang="en-US" dirty="0"/>
               <a:pPr/>
-              <a:t>12/5/2024</a:t>
+              <a:t>12/7/2024</a:t>
             </a:fld>
             <a:endParaRPr lang="en-US" dirty="0"/>
           </a:p>
@@ -3066,7 +3066,7 @@
             <a:fld id="{69E57DC2-970A-4B3E-BB1C-7A09969E49DF}" type="slidenum">
               <a:rPr lang="en-US" dirty="0"/>
               <a:pPr/>
-              <a:t>‹#›</a:t>
+              <a:t>‹Nr.›</a:t>
             </a:fld>
             <a:endParaRPr lang="en-US" dirty="0"/>
           </a:p>
@@ -3272,7 +3272,7 @@
             <a:fld id="{87DE6118-2437-4B30-8E3C-4D2BE6020583}" type="datetimeFigureOut">
               <a:rPr lang="en-US" dirty="0"/>
               <a:pPr/>
-              <a:t>12/5/2024</a:t>
+              <a:t>12/7/2024</a:t>
             </a:fld>
             <a:endParaRPr lang="en-US" dirty="0"/>
           </a:p>
@@ -3347,7 +3347,7 @@
             <a:fld id="{69E57DC2-970A-4B3E-BB1C-7A09969E49DF}" type="slidenum">
               <a:rPr lang="en-US" dirty="0"/>
               <a:pPr/>
-              <a:t>‹#›</a:t>
+              <a:t>‹Nr.›</a:t>
             </a:fld>
             <a:endParaRPr lang="en-US" dirty="0"/>
           </a:p>
@@ -4521,8 +4521,8 @@
         </p:blipFill>
         <p:spPr bwMode="auto">
           <a:xfrm>
-            <a:off x="11684192" y="0"/>
-            <a:ext cx="507808" cy="558253"/>
+            <a:off x="9584046" y="0"/>
+            <a:ext cx="2607954" cy="2867025"/>
           </a:xfrm>
           <a:prstGeom prst="rect">
             <a:avLst/>

--- a/Suchen_Präsi.pptx
+++ b/Suchen_Präsi.pptx
@@ -4129,6 +4129,16 @@
               <a:t> = 2</a:t>
             </a:r>
           </a:p>
+          <a:p>
+            <a:pPr lvl="1"/>
+            <a:endParaRPr lang="de-CH" dirty="0"/>
+          </a:p>
+          <a:p>
+            <a:r>
+              <a:rPr lang="de-CH" dirty="0"/>
+              <a:t>Es ist Case-Sensitive.</a:t>
+            </a:r>
+          </a:p>
         </p:txBody>
       </p:sp>
     </p:spTree>
@@ -4472,6 +4482,14 @@
 <file path=ppt/slides/slide7.xml><?xml version="1.0" encoding="utf-8"?>
 <p:sld xmlns:a="http://schemas.openxmlformats.org/drawingml/2006/main" xmlns:r="http://schemas.openxmlformats.org/officeDocument/2006/relationships" xmlns:p="http://schemas.openxmlformats.org/presentationml/2006/main">
   <p:cSld>
+    <p:bg>
+      <p:bgPr>
+        <a:solidFill>
+          <a:schemeClr val="bg2"/>
+        </a:solidFill>
+        <a:effectLst/>
+      </p:bgPr>
+    </p:bg>
     <p:spTree>
       <p:nvGrpSpPr>
         <p:cNvPr id="1" name="">
@@ -4492,59 +4510,372 @@
           <a:chExt cx="0" cy="0"/>
         </a:xfrm>
       </p:grpSpPr>
+      <p:grpSp>
+        <p:nvGrpSpPr>
+          <p:cNvPr id="3083" name="Group 3082">
+            <a:extLst>
+              <a:ext uri="{FF2B5EF4-FFF2-40B4-BE49-F238E27FC236}">
+                <a16:creationId xmlns:a16="http://schemas.microsoft.com/office/drawing/2014/main" id="{57500303-A207-4812-BEB9-51E132FEB73F}"/>
+              </a:ext>
+              <a:ext uri="{C183D7F6-B498-43B3-948B-1728B52AA6E4}">
+                <adec:decorative xmlns:adec="http://schemas.microsoft.com/office/drawing/2017/decorative" val="1"/>
+              </a:ext>
+            </a:extLst>
+          </p:cNvPr>
+          <p:cNvGrpSpPr>
+            <a:grpSpLocks noGrp="1" noUngrp="1" noRot="1" noChangeAspect="1" noMove="1" noResize="1"/>
+          </p:cNvGrpSpPr>
+          <p:nvPr>
+            <p:extLst>
+              <p:ext uri="{386F3935-93C4-4BCD-93E2-E3B085C9AB24}">
+                <p16:designElem xmlns:p16="http://schemas.microsoft.com/office/powerpoint/2015/main" val="1"/>
+              </p:ext>
+            </p:extLst>
+          </p:nvPr>
+        </p:nvGrpSpPr>
+        <p:grpSpPr>
+          <a:xfrm>
+            <a:off x="752858" y="744469"/>
+            <a:ext cx="10674117" cy="5349671"/>
+            <a:chOff x="752858" y="744469"/>
+            <a:chExt cx="10674117" cy="5349671"/>
+          </a:xfrm>
+        </p:grpSpPr>
+        <p:sp>
+          <p:nvSpPr>
+            <p:cNvPr id="3084" name="Freeform 6">
+              <a:extLst>
+                <a:ext uri="{FF2B5EF4-FFF2-40B4-BE49-F238E27FC236}">
+                  <a16:creationId xmlns:a16="http://schemas.microsoft.com/office/drawing/2014/main" id="{10118C91-C025-4776-BE95-E9926378E790}"/>
+                </a:ext>
+                <a:ext uri="{C183D7F6-B498-43B3-948B-1728B52AA6E4}">
+                  <adec:decorative xmlns:adec="http://schemas.microsoft.com/office/drawing/2017/decorative" val="1"/>
+                </a:ext>
+              </a:extLst>
+            </p:cNvPr>
+            <p:cNvSpPr/>
+            <p:nvPr>
+              <p:extLst>
+                <p:ext uri="{386F3935-93C4-4BCD-93E2-E3B085C9AB24}">
+                  <p16:designElem xmlns:p16="http://schemas.microsoft.com/office/powerpoint/2015/main" val="1"/>
+                </p:ext>
+              </p:extLst>
+            </p:nvPr>
+          </p:nvSpPr>
+          <p:spPr bwMode="auto">
+            <a:xfrm>
+              <a:off x="8151962" y="1685652"/>
+              <a:ext cx="3275013" cy="4408488"/>
+            </a:xfrm>
+            <a:custGeom>
+              <a:avLst/>
+              <a:gdLst/>
+              <a:ahLst/>
+              <a:cxnLst/>
+              <a:rect l="l" t="t" r="r" b="b"/>
+              <a:pathLst>
+                <a:path w="10000" h="10000">
+                  <a:moveTo>
+                    <a:pt x="8761" y="0"/>
+                  </a:moveTo>
+                  <a:lnTo>
+                    <a:pt x="10000" y="0"/>
+                  </a:lnTo>
+                  <a:lnTo>
+                    <a:pt x="10000" y="10000"/>
+                  </a:lnTo>
+                  <a:lnTo>
+                    <a:pt x="0" y="10000"/>
+                  </a:lnTo>
+                  <a:lnTo>
+                    <a:pt x="0" y="9126"/>
+                  </a:lnTo>
+                  <a:lnTo>
+                    <a:pt x="8761" y="9127"/>
+                  </a:lnTo>
+                  <a:lnTo>
+                    <a:pt x="8761" y="0"/>
+                  </a:lnTo>
+                  <a:close/>
+                </a:path>
+              </a:pathLst>
+            </a:custGeom>
+            <a:solidFill>
+              <a:schemeClr val="tx2"/>
+            </a:solidFill>
+            <a:ln w="0">
+              <a:noFill/>
+              <a:prstDash val="solid"/>
+              <a:round/>
+              <a:headEnd/>
+              <a:tailEnd/>
+            </a:ln>
+          </p:spPr>
+          <p:txBody>
+            <a:bodyPr/>
+            <a:lstStyle/>
+            <a:p>
+              <a:endParaRPr lang="de-CH"/>
+            </a:p>
+          </p:txBody>
+        </p:sp>
+        <p:sp>
+          <p:nvSpPr>
+            <p:cNvPr id="3085" name="Freeform 6">
+              <a:extLst>
+                <a:ext uri="{FF2B5EF4-FFF2-40B4-BE49-F238E27FC236}">
+                  <a16:creationId xmlns:a16="http://schemas.microsoft.com/office/drawing/2014/main" id="{339174D0-30E8-4BBF-BF81-5DDAC33C0C0E}"/>
+                </a:ext>
+                <a:ext uri="{C183D7F6-B498-43B3-948B-1728B52AA6E4}">
+                  <adec:decorative xmlns:adec="http://schemas.microsoft.com/office/drawing/2017/decorative" val="1"/>
+                </a:ext>
+              </a:extLst>
+            </p:cNvPr>
+            <p:cNvSpPr/>
+            <p:nvPr>
+              <p:extLst>
+                <p:ext uri="{386F3935-93C4-4BCD-93E2-E3B085C9AB24}">
+                  <p16:designElem xmlns:p16="http://schemas.microsoft.com/office/powerpoint/2015/main" val="1"/>
+                </p:ext>
+              </p:extLst>
+            </p:nvPr>
+          </p:nvSpPr>
+          <p:spPr bwMode="auto">
+            <a:xfrm flipH="1" flipV="1">
+              <a:off x="752858" y="744469"/>
+              <a:ext cx="3275668" cy="4408488"/>
+            </a:xfrm>
+            <a:custGeom>
+              <a:avLst/>
+              <a:gdLst/>
+              <a:ahLst/>
+              <a:cxnLst/>
+              <a:rect l="l" t="t" r="r" b="b"/>
+              <a:pathLst>
+                <a:path w="10002" h="10000">
+                  <a:moveTo>
+                    <a:pt x="8763" y="0"/>
+                  </a:moveTo>
+                  <a:lnTo>
+                    <a:pt x="10002" y="0"/>
+                  </a:lnTo>
+                  <a:lnTo>
+                    <a:pt x="10002" y="10000"/>
+                  </a:lnTo>
+                  <a:lnTo>
+                    <a:pt x="2" y="10000"/>
+                  </a:lnTo>
+                  <a:cubicBezTo>
+                    <a:pt x="-2" y="9698"/>
+                    <a:pt x="4" y="9427"/>
+                    <a:pt x="0" y="9125"/>
+                  </a:cubicBezTo>
+                  <a:lnTo>
+                    <a:pt x="8763" y="9128"/>
+                  </a:lnTo>
+                  <a:lnTo>
+                    <a:pt x="8763" y="0"/>
+                  </a:lnTo>
+                  <a:close/>
+                </a:path>
+              </a:pathLst>
+            </a:custGeom>
+            <a:solidFill>
+              <a:schemeClr val="tx2"/>
+            </a:solidFill>
+            <a:ln w="0">
+              <a:noFill/>
+              <a:prstDash val="solid"/>
+              <a:round/>
+              <a:headEnd/>
+              <a:tailEnd/>
+            </a:ln>
+          </p:spPr>
+          <p:txBody>
+            <a:bodyPr/>
+            <a:lstStyle/>
+            <a:p>
+              <a:endParaRPr lang="de-CH"/>
+            </a:p>
+          </p:txBody>
+        </p:sp>
+      </p:grpSp>
+      <p:sp useBgFill="1">
+        <p:nvSpPr>
+          <p:cNvPr id="3087" name="Rectangle 3086">
+            <a:extLst>
+              <a:ext uri="{FF2B5EF4-FFF2-40B4-BE49-F238E27FC236}">
+                <a16:creationId xmlns:a16="http://schemas.microsoft.com/office/drawing/2014/main" id="{78511CAE-6AAD-4026-90B0-6917258C1C7E}"/>
+              </a:ext>
+              <a:ext uri="{C183D7F6-B498-43B3-948B-1728B52AA6E4}">
+                <adec:decorative xmlns:adec="http://schemas.microsoft.com/office/drawing/2017/decorative" val="1"/>
+              </a:ext>
+            </a:extLst>
+          </p:cNvPr>
+          <p:cNvSpPr>
+            <a:spLocks noGrp="1" noRot="1" noChangeAspect="1" noMove="1" noResize="1" noEditPoints="1" noAdjustHandles="1" noChangeArrowheads="1" noChangeShapeType="1" noTextEdit="1"/>
+          </p:cNvSpPr>
+          <p:nvPr>
+            <p:extLst>
+              <p:ext uri="{386F3935-93C4-4BCD-93E2-E3B085C9AB24}">
+                <p16:designElem xmlns:p16="http://schemas.microsoft.com/office/powerpoint/2015/main" val="1"/>
+              </p:ext>
+            </p:extLst>
+          </p:nvPr>
+        </p:nvSpPr>
+        <p:spPr>
+          <a:xfrm>
+            <a:off x="0" y="0"/>
+            <a:ext cx="12192000" cy="6858000"/>
+          </a:xfrm>
+          <a:prstGeom prst="rect">
+            <a:avLst/>
+          </a:prstGeom>
+          <a:ln>
+            <a:noFill/>
+          </a:ln>
+        </p:spPr>
+        <p:style>
+          <a:lnRef idx="2">
+            <a:schemeClr val="accent1">
+              <a:shade val="50000"/>
+            </a:schemeClr>
+          </a:lnRef>
+          <a:fillRef idx="1001">
+            <a:schemeClr val="lt2"/>
+          </a:fillRef>
+          <a:effectRef idx="0">
+            <a:schemeClr val="accent1"/>
+          </a:effectRef>
+          <a:fontRef idx="minor">
+            <a:schemeClr val="lt1"/>
+          </a:fontRef>
+        </p:style>
+        <p:txBody>
+          <a:bodyPr rtlCol="0" anchor="ctr"/>
+          <a:lstStyle/>
+          <a:p>
+            <a:pPr algn="ctr"/>
+            <a:endParaRPr lang="en-US"/>
+          </a:p>
+        </p:txBody>
+      </p:sp>
+      <p:pic>
+        <p:nvPicPr>
+          <p:cNvPr id="4" name="Grafik 3">
+            <a:extLst>
+              <a:ext uri="{FF2B5EF4-FFF2-40B4-BE49-F238E27FC236}">
+                <a16:creationId xmlns:a16="http://schemas.microsoft.com/office/drawing/2014/main" id="{AFA8B28D-E29D-4780-20DA-88677991B484}"/>
+              </a:ext>
+            </a:extLst>
+          </p:cNvPr>
+          <p:cNvPicPr>
+            <a:picLocks noChangeAspect="1"/>
+          </p:cNvPicPr>
+          <p:nvPr/>
+        </p:nvPicPr>
+        <p:blipFill>
+          <a:blip r:embed="rId2"/>
+          <a:stretch>
+            <a:fillRect/>
+          </a:stretch>
+        </p:blipFill>
+        <p:spPr>
+          <a:xfrm>
+            <a:off x="1656048" y="3609029"/>
+            <a:ext cx="2195126" cy="2107322"/>
+          </a:xfrm>
+          <a:prstGeom prst="rect">
+            <a:avLst/>
+          </a:prstGeom>
+        </p:spPr>
+      </p:pic>
+      <p:sp>
+        <p:nvSpPr>
+          <p:cNvPr id="3091" name="Freeform 6">
+            <a:extLst>
+              <a:ext uri="{FF2B5EF4-FFF2-40B4-BE49-F238E27FC236}">
+                <a16:creationId xmlns:a16="http://schemas.microsoft.com/office/drawing/2014/main" id="{8A2DFE20-1EAE-45A9-AD16-D4DBD0ABBBC7}"/>
+              </a:ext>
+              <a:ext uri="{C183D7F6-B498-43B3-948B-1728B52AA6E4}">
+                <adec:decorative xmlns:adec="http://schemas.microsoft.com/office/drawing/2017/decorative" val="1"/>
+              </a:ext>
+            </a:extLst>
+          </p:cNvPr>
+          <p:cNvSpPr>
+            <a:spLocks noGrp="1" noRot="1" noChangeAspect="1" noMove="1" noResize="1" noEditPoints="1" noAdjustHandles="1" noChangeArrowheads="1" noChangeShapeType="1" noTextEdit="1"/>
+          </p:cNvSpPr>
+          <p:nvPr>
+            <p:extLst>
+              <p:ext uri="{386F3935-93C4-4BCD-93E2-E3B085C9AB24}">
+                <p16:designElem xmlns:p16="http://schemas.microsoft.com/office/powerpoint/2015/main" val="1"/>
+              </p:ext>
+            </p:extLst>
+          </p:nvPr>
+        </p:nvSpPr>
+        <p:spPr bwMode="auto">
+          <a:xfrm>
+            <a:off x="4494670" y="2016617"/>
+            <a:ext cx="3275013" cy="4408488"/>
+          </a:xfrm>
+          <a:custGeom>
+            <a:avLst/>
+            <a:gdLst/>
+            <a:ahLst/>
+            <a:cxnLst/>
+            <a:rect l="l" t="t" r="r" b="b"/>
+            <a:pathLst>
+              <a:path w="10000" h="10000">
+                <a:moveTo>
+                  <a:pt x="8761" y="0"/>
+                </a:moveTo>
+                <a:lnTo>
+                  <a:pt x="10000" y="0"/>
+                </a:lnTo>
+                <a:lnTo>
+                  <a:pt x="10000" y="10000"/>
+                </a:lnTo>
+                <a:lnTo>
+                  <a:pt x="0" y="10000"/>
+                </a:lnTo>
+                <a:lnTo>
+                  <a:pt x="0" y="9126"/>
+                </a:lnTo>
+                <a:lnTo>
+                  <a:pt x="8761" y="9127"/>
+                </a:lnTo>
+                <a:lnTo>
+                  <a:pt x="8761" y="0"/>
+                </a:lnTo>
+                <a:close/>
+              </a:path>
+            </a:pathLst>
+          </a:custGeom>
+          <a:solidFill>
+            <a:schemeClr val="tx2"/>
+          </a:solidFill>
+          <a:ln w="0">
+            <a:noFill/>
+            <a:prstDash val="solid"/>
+            <a:round/>
+            <a:headEnd/>
+            <a:tailEnd/>
+          </a:ln>
+        </p:spPr>
+        <p:txBody>
+          <a:bodyPr/>
+          <a:lstStyle/>
+          <a:p>
+            <a:endParaRPr lang="de-CH"/>
+          </a:p>
+        </p:txBody>
+      </p:sp>
       <p:pic>
         <p:nvPicPr>
           <p:cNvPr id="3076" name="Picture 4">
             <a:extLst>
               <a:ext uri="{FF2B5EF4-FFF2-40B4-BE49-F238E27FC236}">
                 <a16:creationId xmlns:a16="http://schemas.microsoft.com/office/drawing/2014/main" id="{04411093-FC8C-0EF8-3DAD-D5FC3F47F064}"/>
-              </a:ext>
-            </a:extLst>
-          </p:cNvPr>
-          <p:cNvPicPr>
-            <a:picLocks noChangeAspect="1" noChangeArrowheads="1"/>
-          </p:cNvPicPr>
-          <p:nvPr/>
-        </p:nvPicPr>
-        <p:blipFill>
-          <a:blip r:embed="rId2">
-            <a:extLst>
-              <a:ext uri="{28A0092B-C50C-407E-A947-70E740481C1C}">
-                <a14:useLocalDpi xmlns:a14="http://schemas.microsoft.com/office/drawing/2010/main" val="0"/>
-              </a:ext>
-            </a:extLst>
-          </a:blip>
-          <a:srcRect/>
-          <a:stretch>
-            <a:fillRect/>
-          </a:stretch>
-        </p:blipFill>
-        <p:spPr bwMode="auto">
-          <a:xfrm>
-            <a:off x="9584046" y="0"/>
-            <a:ext cx="2607954" cy="2867025"/>
-          </a:xfrm>
-          <a:prstGeom prst="rect">
-            <a:avLst/>
-          </a:prstGeom>
-          <a:noFill/>
-          <a:extLst>
-            <a:ext uri="{909E8E84-426E-40DD-AFC4-6F175D3DCCD1}">
-              <a14:hiddenFill xmlns:a14="http://schemas.microsoft.com/office/drawing/2010/main">
-                <a:solidFill>
-                  <a:srgbClr val="FFFFFF"/>
-                </a:solidFill>
-              </a14:hiddenFill>
-            </a:ext>
-          </a:extLst>
-        </p:spPr>
-      </p:pic>
-      <p:pic>
-        <p:nvPicPr>
-          <p:cNvPr id="3078" name="Picture 6">
-            <a:extLst>
-              <a:ext uri="{FF2B5EF4-FFF2-40B4-BE49-F238E27FC236}">
-                <a16:creationId xmlns:a16="http://schemas.microsoft.com/office/drawing/2014/main" id="{52951650-7F6A-BC3E-634C-D53AC0E47EAA}"/>
               </a:ext>
             </a:extLst>
           </p:cNvPr>
@@ -4561,15 +4892,14 @@
               </a:ext>
             </a:extLst>
           </a:blip>
-          <a:srcRect/>
           <a:stretch>
             <a:fillRect/>
           </a:stretch>
         </p:blipFill>
         <p:spPr bwMode="auto">
           <a:xfrm>
-            <a:off x="4921442" y="2254442"/>
-            <a:ext cx="2349116" cy="2349116"/>
+            <a:off x="4289068" y="2017458"/>
+            <a:ext cx="2749177" cy="3022274"/>
           </a:xfrm>
           <a:prstGeom prst="rect">
             <a:avLst/>
@@ -4604,17 +4934,183 @@
         </p:nvSpPr>
         <p:spPr>
           <a:xfrm>
-            <a:off x="5526593" y="685800"/>
-            <a:ext cx="1296237" cy="1485900"/>
+            <a:off x="8154186" y="634028"/>
+            <a:ext cx="3355942" cy="3732835"/>
           </a:xfrm>
         </p:spPr>
         <p:txBody>
-          <a:bodyPr/>
+          <a:bodyPr vert="horz" lIns="91440" tIns="45720" rIns="91440" bIns="45720" rtlCol="0" anchor="b">
+            <a:normAutofit/>
+          </a:bodyPr>
           <a:lstStyle/>
           <a:p>
+            <a:pPr algn="ctr"/>
+            <a:r>
+              <a:rPr lang="en-US" sz="6000" cap="all"/>
+              <a:t>Q&amp;A</a:t>
+            </a:r>
+          </a:p>
+        </p:txBody>
+      </p:sp>
+      <p:sp>
+        <p:nvSpPr>
+          <p:cNvPr id="3089" name="Freeform 6">
+            <a:extLst>
+              <a:ext uri="{FF2B5EF4-FFF2-40B4-BE49-F238E27FC236}">
+                <a16:creationId xmlns:a16="http://schemas.microsoft.com/office/drawing/2014/main" id="{7388763A-4025-4433-A72C-457FC3763E58}"/>
+              </a:ext>
+              <a:ext uri="{C183D7F6-B498-43B3-948B-1728B52AA6E4}">
+                <adec:decorative xmlns:adec="http://schemas.microsoft.com/office/drawing/2017/decorative" val="1"/>
+              </a:ext>
+            </a:extLst>
+          </p:cNvPr>
+          <p:cNvSpPr>
+            <a:spLocks noGrp="1" noRot="1" noChangeAspect="1" noMove="1" noResize="1" noEditPoints="1" noAdjustHandles="1" noChangeArrowheads="1" noChangeShapeType="1" noTextEdit="1"/>
+          </p:cNvSpPr>
+          <p:nvPr>
+            <p:extLst>
+              <p:ext uri="{386F3935-93C4-4BCD-93E2-E3B085C9AB24}">
+                <p16:designElem xmlns:p16="http://schemas.microsoft.com/office/powerpoint/2015/main" val="1"/>
+              </p:ext>
+            </p:extLst>
+          </p:nvPr>
+        </p:nvSpPr>
+        <p:spPr bwMode="auto">
+          <a:xfrm flipH="1" flipV="1">
+            <a:off x="649163" y="634028"/>
+            <a:ext cx="3275668" cy="4408488"/>
+          </a:xfrm>
+          <a:custGeom>
+            <a:avLst/>
+            <a:gdLst/>
+            <a:ahLst/>
+            <a:cxnLst/>
+            <a:rect l="l" t="t" r="r" b="b"/>
+            <a:pathLst>
+              <a:path w="10002" h="10000">
+                <a:moveTo>
+                  <a:pt x="8763" y="0"/>
+                </a:moveTo>
+                <a:lnTo>
+                  <a:pt x="10002" y="0"/>
+                </a:lnTo>
+                <a:lnTo>
+                  <a:pt x="10002" y="10000"/>
+                </a:lnTo>
+                <a:lnTo>
+                  <a:pt x="2" y="10000"/>
+                </a:lnTo>
+                <a:cubicBezTo>
+                  <a:pt x="-2" y="9698"/>
+                  <a:pt x="4" y="9427"/>
+                  <a:pt x="0" y="9125"/>
+                </a:cubicBezTo>
+                <a:lnTo>
+                  <a:pt x="8763" y="9128"/>
+                </a:lnTo>
+                <a:lnTo>
+                  <a:pt x="8763" y="0"/>
+                </a:lnTo>
+                <a:close/>
+              </a:path>
+            </a:pathLst>
+          </a:custGeom>
+          <a:solidFill>
+            <a:schemeClr val="tx2"/>
+          </a:solidFill>
+          <a:ln w="0">
+            <a:noFill/>
+            <a:prstDash val="solid"/>
+            <a:round/>
+            <a:headEnd/>
+            <a:tailEnd/>
+          </a:ln>
+        </p:spPr>
+        <p:txBody>
+          <a:bodyPr/>
+          <a:lstStyle/>
+          <a:p>
+            <a:endParaRPr lang="de-CH"/>
+          </a:p>
+        </p:txBody>
+      </p:sp>
+      <p:pic>
+        <p:nvPicPr>
+          <p:cNvPr id="3078" name="Picture 6">
+            <a:extLst>
+              <a:ext uri="{FF2B5EF4-FFF2-40B4-BE49-F238E27FC236}">
+                <a16:creationId xmlns:a16="http://schemas.microsoft.com/office/drawing/2014/main" id="{52951650-7F6A-BC3E-634C-D53AC0E47EAA}"/>
+              </a:ext>
+            </a:extLst>
+          </p:cNvPr>
+          <p:cNvPicPr>
+            <a:picLocks noChangeAspect="1" noChangeArrowheads="1"/>
+          </p:cNvPicPr>
+          <p:nvPr/>
+        </p:nvPicPr>
+        <p:blipFill>
+          <a:blip r:embed="rId4">
+            <a:extLst>
+              <a:ext uri="{28A0092B-C50C-407E-A947-70E740481C1C}">
+                <a14:useLocalDpi xmlns:a14="http://schemas.microsoft.com/office/drawing/2010/main" val="0"/>
+              </a:ext>
+            </a:extLst>
+          </a:blip>
+          <a:stretch>
+            <a:fillRect/>
+          </a:stretch>
+        </p:blipFill>
+        <p:spPr bwMode="auto">
+          <a:xfrm>
+            <a:off x="1699951" y="1340839"/>
+            <a:ext cx="2107321" cy="2107321"/>
+          </a:xfrm>
+          <a:prstGeom prst="rect">
+            <a:avLst/>
+          </a:prstGeom>
+          <a:noFill/>
+          <a:extLst>
+            <a:ext uri="{909E8E84-426E-40DD-AFC4-6F175D3DCCD1}">
+              <a14:hiddenFill xmlns:a14="http://schemas.microsoft.com/office/drawing/2010/main">
+                <a:solidFill>
+                  <a:srgbClr val="FFFFFF"/>
+                </a:solidFill>
+              </a14:hiddenFill>
+            </a:ext>
+          </a:extLst>
+        </p:spPr>
+      </p:pic>
+      <p:sp>
+        <p:nvSpPr>
+          <p:cNvPr id="5" name="Textfeld 4">
+            <a:extLst>
+              <a:ext uri="{FF2B5EF4-FFF2-40B4-BE49-F238E27FC236}">
+                <a16:creationId xmlns:a16="http://schemas.microsoft.com/office/drawing/2014/main" id="{9920747D-5372-194B-E256-068FD687E0C5}"/>
+              </a:ext>
+            </a:extLst>
+          </p:cNvPr>
+          <p:cNvSpPr txBox="1"/>
+          <p:nvPr/>
+        </p:nvSpPr>
+        <p:spPr>
+          <a:xfrm>
+            <a:off x="2448078" y="5229938"/>
+            <a:ext cx="611065" cy="369332"/>
+          </a:xfrm>
+          <a:prstGeom prst="rect">
+            <a:avLst/>
+          </a:prstGeom>
+          <a:noFill/>
+        </p:spPr>
+        <p:txBody>
+          <a:bodyPr wrap="none" rtlCol="0">
+            <a:spAutoFit/>
+          </a:bodyPr>
+          <a:lstStyle/>
+          <a:p>
             <a:r>
               <a:rPr lang="de-CH" dirty="0"/>
-              <a:t>Q&amp;A</a:t>
+              <a:t>Sale</a:t>
             </a:r>
           </a:p>
         </p:txBody>

--- a/Suchen_Präsi.pptx
+++ b/Suchen_Präsi.pptx
@@ -4094,6 +4094,12 @@
           <a:lstStyle/>
           <a:p>
             <a:r>
+              <a:rPr lang="de-CH"/>
+              <a:t>Es ist Case-Sensitive.</a:t>
+            </a:r>
+          </a:p>
+          <a:p>
+            <a:r>
               <a:rPr lang="de-CH" dirty="0"/>
               <a:t>Wir suchen, wie oft eine Zeichenfolge in einem Text erscheint.</a:t>
             </a:r>
@@ -4132,12 +4138,6 @@
           <a:p>
             <a:pPr lvl="1"/>
             <a:endParaRPr lang="de-CH" dirty="0"/>
-          </a:p>
-          <a:p>
-            <a:r>
-              <a:rPr lang="de-CH" dirty="0"/>
-              <a:t>Es ist Case-Sensitive.</a:t>
-            </a:r>
           </a:p>
         </p:txBody>
       </p:sp>
